--- a/ppt/system_flow_chart.pptx
+++ b/ppt/system_flow_chart.pptx
@@ -268,7 +268,7 @@
           <a:p>
             <a:fld id="{535902D6-0974-459A-BA6C-2EEA308C96FB}" type="datetimeFigureOut">
               <a:rPr lang="ko-KR" altLang="en-US" smtClean="0"/>
-              <a:t>2015-10-14</a:t>
+              <a:t>2015-11-11</a:t>
             </a:fld>
             <a:endParaRPr lang="ko-KR" altLang="en-US"/>
           </a:p>
@@ -438,7 +438,7 @@
           <a:p>
             <a:fld id="{535902D6-0974-459A-BA6C-2EEA308C96FB}" type="datetimeFigureOut">
               <a:rPr lang="ko-KR" altLang="en-US" smtClean="0"/>
-              <a:t>2015-10-14</a:t>
+              <a:t>2015-11-11</a:t>
             </a:fld>
             <a:endParaRPr lang="ko-KR" altLang="en-US"/>
           </a:p>
@@ -618,7 +618,7 @@
           <a:p>
             <a:fld id="{535902D6-0974-459A-BA6C-2EEA308C96FB}" type="datetimeFigureOut">
               <a:rPr lang="ko-KR" altLang="en-US" smtClean="0"/>
-              <a:t>2015-10-14</a:t>
+              <a:t>2015-11-11</a:t>
             </a:fld>
             <a:endParaRPr lang="ko-KR" altLang="en-US"/>
           </a:p>
@@ -788,7 +788,7 @@
           <a:p>
             <a:fld id="{535902D6-0974-459A-BA6C-2EEA308C96FB}" type="datetimeFigureOut">
               <a:rPr lang="ko-KR" altLang="en-US" smtClean="0"/>
-              <a:t>2015-10-14</a:t>
+              <a:t>2015-11-11</a:t>
             </a:fld>
             <a:endParaRPr lang="ko-KR" altLang="en-US"/>
           </a:p>
@@ -1034,7 +1034,7 @@
           <a:p>
             <a:fld id="{535902D6-0974-459A-BA6C-2EEA308C96FB}" type="datetimeFigureOut">
               <a:rPr lang="ko-KR" altLang="en-US" smtClean="0"/>
-              <a:t>2015-10-14</a:t>
+              <a:t>2015-11-11</a:t>
             </a:fld>
             <a:endParaRPr lang="ko-KR" altLang="en-US"/>
           </a:p>
@@ -1266,7 +1266,7 @@
           <a:p>
             <a:fld id="{535902D6-0974-459A-BA6C-2EEA308C96FB}" type="datetimeFigureOut">
               <a:rPr lang="ko-KR" altLang="en-US" smtClean="0"/>
-              <a:t>2015-10-14</a:t>
+              <a:t>2015-11-11</a:t>
             </a:fld>
             <a:endParaRPr lang="ko-KR" altLang="en-US"/>
           </a:p>
@@ -1633,7 +1633,7 @@
           <a:p>
             <a:fld id="{535902D6-0974-459A-BA6C-2EEA308C96FB}" type="datetimeFigureOut">
               <a:rPr lang="ko-KR" altLang="en-US" smtClean="0"/>
-              <a:t>2015-10-14</a:t>
+              <a:t>2015-11-11</a:t>
             </a:fld>
             <a:endParaRPr lang="ko-KR" altLang="en-US"/>
           </a:p>
@@ -1751,7 +1751,7 @@
           <a:p>
             <a:fld id="{535902D6-0974-459A-BA6C-2EEA308C96FB}" type="datetimeFigureOut">
               <a:rPr lang="ko-KR" altLang="en-US" smtClean="0"/>
-              <a:t>2015-10-14</a:t>
+              <a:t>2015-11-11</a:t>
             </a:fld>
             <a:endParaRPr lang="ko-KR" altLang="en-US"/>
           </a:p>
@@ -1846,7 +1846,7 @@
           <a:p>
             <a:fld id="{535902D6-0974-459A-BA6C-2EEA308C96FB}" type="datetimeFigureOut">
               <a:rPr lang="ko-KR" altLang="en-US" smtClean="0"/>
-              <a:t>2015-10-14</a:t>
+              <a:t>2015-11-11</a:t>
             </a:fld>
             <a:endParaRPr lang="ko-KR" altLang="en-US"/>
           </a:p>
@@ -2123,7 +2123,7 @@
           <a:p>
             <a:fld id="{535902D6-0974-459A-BA6C-2EEA308C96FB}" type="datetimeFigureOut">
               <a:rPr lang="ko-KR" altLang="en-US" smtClean="0"/>
-              <a:t>2015-10-14</a:t>
+              <a:t>2015-11-11</a:t>
             </a:fld>
             <a:endParaRPr lang="ko-KR" altLang="en-US"/>
           </a:p>
@@ -2380,7 +2380,7 @@
           <a:p>
             <a:fld id="{535902D6-0974-459A-BA6C-2EEA308C96FB}" type="datetimeFigureOut">
               <a:rPr lang="ko-KR" altLang="en-US" smtClean="0"/>
-              <a:t>2015-10-14</a:t>
+              <a:t>2015-11-11</a:t>
             </a:fld>
             <a:endParaRPr lang="ko-KR" altLang="en-US"/>
           </a:p>
@@ -2593,7 +2593,7 @@
           <a:p>
             <a:fld id="{535902D6-0974-459A-BA6C-2EEA308C96FB}" type="datetimeFigureOut">
               <a:rPr lang="ko-KR" altLang="en-US" smtClean="0"/>
-              <a:t>2015-10-14</a:t>
+              <a:t>2015-11-11</a:t>
             </a:fld>
             <a:endParaRPr lang="ko-KR" altLang="en-US"/>
           </a:p>
@@ -3405,15 +3405,7 @@
           <a:p>
             <a:r>
               <a:rPr lang="en-US" altLang="ko-KR" dirty="0" smtClean="0"/>
-              <a:t>Video </a:t>
-            </a:r>
-            <a:r>
-              <a:rPr lang="en-US" altLang="ko-KR" dirty="0" smtClean="0"/>
-              <a:t>Stream (Live</a:t>
-            </a:r>
-            <a:r>
-              <a:rPr lang="en-US" altLang="ko-KR" dirty="0" smtClean="0"/>
-              <a:t>, Saved)</a:t>
+              <a:t>Video Stream (Live, Saved)</a:t>
             </a:r>
           </a:p>
           <a:p>
@@ -3454,13 +3446,8 @@
           <a:p>
             <a:r>
               <a:rPr lang="en-US" altLang="ko-KR" dirty="0" smtClean="0"/>
-              <a:t>Request Saved </a:t>
-            </a:r>
-            <a:r>
-              <a:rPr lang="en-US" altLang="ko-KR" dirty="0" smtClean="0"/>
-              <a:t>Video Data</a:t>
-            </a:r>
-            <a:endParaRPr lang="en-US" altLang="ko-KR" dirty="0" smtClean="0"/>
+              <a:t>Request Saved Video Data</a:t>
+            </a:r>
           </a:p>
         </p:txBody>
       </p:sp>
@@ -4921,22 +4908,13 @@
           <a:p>
             <a:r>
               <a:rPr lang="en-US" altLang="ko-KR" dirty="0" smtClean="0"/>
-              <a:t>Processed Video </a:t>
-            </a:r>
-            <a:r>
-              <a:rPr lang="en-US" altLang="ko-KR" dirty="0" smtClean="0"/>
-              <a:t>Data</a:t>
-            </a:r>
-            <a:endParaRPr lang="en-US" altLang="ko-KR" dirty="0" smtClean="0"/>
-          </a:p>
-          <a:p>
-            <a:r>
-              <a:rPr lang="en-US" altLang="ko-KR" dirty="0" smtClean="0"/>
-              <a:t>Status </a:t>
-            </a:r>
-            <a:r>
-              <a:rPr lang="en-US" altLang="ko-KR" dirty="0" smtClean="0"/>
-              <a:t>Signal</a:t>
+              <a:t>Processed Video Data</a:t>
+            </a:r>
+          </a:p>
+          <a:p>
+            <a:r>
+              <a:rPr lang="en-US" altLang="ko-KR" dirty="0" smtClean="0"/>
+              <a:t>Status Signal</a:t>
             </a:r>
             <a:endParaRPr lang="ko-KR" altLang="en-US" dirty="0"/>
           </a:p>
@@ -5409,13 +5387,8 @@
           <a:p>
             <a:r>
               <a:rPr lang="en-US" altLang="ko-KR" dirty="0" smtClean="0"/>
-              <a:t>Video </a:t>
-            </a:r>
-            <a:r>
-              <a:rPr lang="en-US" altLang="ko-KR" dirty="0" smtClean="0"/>
-              <a:t>Stream</a:t>
-            </a:r>
-            <a:endParaRPr lang="en-US" altLang="ko-KR" dirty="0" smtClean="0"/>
+              <a:t>Video Stream</a:t>
+            </a:r>
           </a:p>
           <a:p>
             <a:r>
@@ -5537,22 +5510,13 @@
           <a:p>
             <a:r>
               <a:rPr lang="en-US" altLang="ko-KR" dirty="0" smtClean="0"/>
-              <a:t>Processed </a:t>
-            </a:r>
-            <a:r>
-              <a:rPr lang="en-US" altLang="ko-KR" dirty="0" smtClean="0"/>
-              <a:t>Video</a:t>
-            </a:r>
-            <a:endParaRPr lang="en-US" altLang="ko-KR" dirty="0" smtClean="0"/>
-          </a:p>
-          <a:p>
-            <a:r>
-              <a:rPr lang="en-US" altLang="ko-KR" dirty="0" smtClean="0"/>
-              <a:t>Status </a:t>
-            </a:r>
-            <a:r>
-              <a:rPr lang="en-US" altLang="ko-KR" dirty="0" smtClean="0"/>
-              <a:t>Signal</a:t>
+              <a:t>Processed Video</a:t>
+            </a:r>
+          </a:p>
+          <a:p>
+            <a:r>
+              <a:rPr lang="en-US" altLang="ko-KR" dirty="0" smtClean="0"/>
+              <a:t>Status Signal</a:t>
             </a:r>
             <a:endParaRPr lang="ko-KR" altLang="en-US" dirty="0"/>
           </a:p>
@@ -5611,10 +5575,17 @@
           <a:lstStyle/>
           <a:p>
             <a:r>
-              <a:rPr lang="en-US" altLang="ko-KR" dirty="0" smtClean="0"/>
-              <a:t>Delay Tolerant Network</a:t>
-            </a:r>
-            <a:endParaRPr lang="ko-KR" altLang="en-US" dirty="0"/>
+              <a:rPr lang="en-US" altLang="ko-KR" dirty="0"/>
+              <a:t>Reliable </a:t>
+            </a:r>
+            <a:r>
+              <a:rPr lang="en-US" altLang="ko-KR" dirty="0" smtClean="0"/>
+              <a:t>Data </a:t>
+            </a:r>
+            <a:r>
+              <a:rPr lang="en-US" altLang="ko-KR" dirty="0"/>
+              <a:t>Transfer</a:t>
+            </a:r>
           </a:p>
         </p:txBody>
       </p:sp>
@@ -6298,11 +6269,6 @@
               </a:rPr>
               <a:t>Storage</a:t>
             </a:r>
-            <a:endParaRPr lang="en-US" altLang="ko-KR" dirty="0" smtClean="0">
-              <a:solidFill>
-                <a:schemeClr val="tx1"/>
-              </a:solidFill>
-            </a:endParaRPr>
           </a:p>
         </p:txBody>
       </p:sp>
@@ -6334,11 +6300,7 @@
             </a:r>
             <a:r>
               <a:rPr lang="en-US" altLang="ko-KR" dirty="0" smtClean="0"/>
-              <a:t>If </a:t>
-            </a:r>
-            <a:r>
-              <a:rPr lang="en-US" altLang="ko-KR" dirty="0" smtClean="0"/>
-              <a:t>network condition</a:t>
+              <a:t>If network condition</a:t>
             </a:r>
           </a:p>
           <a:p>
@@ -6346,7 +6308,6 @@
               <a:rPr lang="en-US" altLang="ko-KR" dirty="0" smtClean="0"/>
               <a:t>recovered)</a:t>
             </a:r>
-            <a:endParaRPr lang="en-US" altLang="ko-KR" dirty="0" smtClean="0"/>
           </a:p>
         </p:txBody>
       </p:sp>
@@ -6642,11 +6603,7 @@
           <a:p>
             <a:r>
               <a:rPr lang="en-US" altLang="ko-KR" dirty="0" smtClean="0"/>
-              <a:t>Status </a:t>
-            </a:r>
-            <a:r>
-              <a:rPr lang="en-US" altLang="ko-KR" dirty="0" smtClean="0"/>
-              <a:t>Signal</a:t>
+              <a:t>Status Signal</a:t>
             </a:r>
           </a:p>
         </p:txBody>
@@ -6723,22 +6680,13 @@
           <a:p>
             <a:r>
               <a:rPr lang="en-US" altLang="ko-KR" dirty="0" smtClean="0"/>
-              <a:t>Processed </a:t>
-            </a:r>
-            <a:r>
-              <a:rPr lang="en-US" altLang="ko-KR" dirty="0" smtClean="0"/>
-              <a:t>Video</a:t>
-            </a:r>
-            <a:endParaRPr lang="en-US" altLang="ko-KR" dirty="0" smtClean="0"/>
-          </a:p>
-          <a:p>
-            <a:r>
-              <a:rPr lang="en-US" altLang="ko-KR" dirty="0" smtClean="0"/>
-              <a:t>Status </a:t>
-            </a:r>
-            <a:r>
-              <a:rPr lang="en-US" altLang="ko-KR" dirty="0" smtClean="0"/>
-              <a:t>Signal</a:t>
+              <a:t>Processed Video</a:t>
+            </a:r>
+          </a:p>
+          <a:p>
+            <a:r>
+              <a:rPr lang="en-US" altLang="ko-KR" dirty="0" smtClean="0"/>
+              <a:t>Status Signal</a:t>
             </a:r>
             <a:endParaRPr lang="ko-KR" altLang="en-US" dirty="0"/>
           </a:p>
@@ -6817,11 +6765,7 @@
           <a:p>
             <a:r>
               <a:rPr lang="en-US" altLang="ko-KR" dirty="0" smtClean="0"/>
-              <a:t>Status </a:t>
-            </a:r>
-            <a:r>
-              <a:rPr lang="en-US" altLang="ko-KR" dirty="0" smtClean="0"/>
-              <a:t>Signal</a:t>
+              <a:t>Status Signal</a:t>
             </a:r>
             <a:endParaRPr lang="ko-KR" altLang="en-US" dirty="0"/>
           </a:p>
@@ -6851,22 +6795,13 @@
           <a:p>
             <a:r>
               <a:rPr lang="en-US" altLang="ko-KR" dirty="0" smtClean="0"/>
-              <a:t>Processed </a:t>
-            </a:r>
-            <a:r>
-              <a:rPr lang="en-US" altLang="ko-KR" dirty="0" smtClean="0"/>
-              <a:t>Video</a:t>
-            </a:r>
-            <a:endParaRPr lang="en-US" altLang="ko-KR" dirty="0" smtClean="0"/>
-          </a:p>
-          <a:p>
-            <a:r>
-              <a:rPr lang="en-US" altLang="ko-KR" dirty="0" smtClean="0"/>
-              <a:t>Status </a:t>
-            </a:r>
-            <a:r>
-              <a:rPr lang="en-US" altLang="ko-KR" dirty="0" smtClean="0"/>
-              <a:t>Signal</a:t>
+              <a:t>Processed Video</a:t>
+            </a:r>
+          </a:p>
+          <a:p>
+            <a:r>
+              <a:rPr lang="en-US" altLang="ko-KR" dirty="0" smtClean="0"/>
+              <a:t>Status Signal</a:t>
             </a:r>
             <a:endParaRPr lang="ko-KR" altLang="en-US" dirty="0"/>
           </a:p>
@@ -6971,8 +6906,8 @@
           <a:lstStyle/>
           <a:p>
             <a:r>
-              <a:rPr lang="en-US" altLang="ko-KR" dirty="0" smtClean="0"/>
-              <a:t>Wireless Sensor Network (WSN)</a:t>
+              <a:rPr lang="en-US" altLang="ko-KR" dirty="0"/>
+              <a:t>Urgent Signal Transfer</a:t>
             </a:r>
             <a:endParaRPr lang="ko-KR" altLang="en-US" dirty="0"/>
           </a:p>
@@ -7197,11 +7132,6 @@
               </a:rPr>
               <a:t>Storage</a:t>
             </a:r>
-            <a:endParaRPr lang="en-US" altLang="ko-KR" dirty="0" smtClean="0">
-              <a:solidFill>
-                <a:schemeClr val="tx1"/>
-              </a:solidFill>
-            </a:endParaRPr>
           </a:p>
         </p:txBody>
       </p:sp>
@@ -7310,22 +7240,13 @@
           <a:p>
             <a:r>
               <a:rPr lang="en-US" altLang="ko-KR" dirty="0" smtClean="0"/>
-              <a:t>Processed </a:t>
-            </a:r>
-            <a:r>
-              <a:rPr lang="en-US" altLang="ko-KR" dirty="0" smtClean="0"/>
-              <a:t>Video</a:t>
-            </a:r>
-            <a:endParaRPr lang="en-US" altLang="ko-KR" dirty="0" smtClean="0"/>
-          </a:p>
-          <a:p>
-            <a:r>
-              <a:rPr lang="en-US" altLang="ko-KR" dirty="0" smtClean="0"/>
-              <a:t>Status </a:t>
-            </a:r>
-            <a:r>
-              <a:rPr lang="en-US" altLang="ko-KR" dirty="0" smtClean="0"/>
-              <a:t>Signal</a:t>
+              <a:t>Processed Video</a:t>
+            </a:r>
+          </a:p>
+          <a:p>
+            <a:r>
+              <a:rPr lang="en-US" altLang="ko-KR" dirty="0" smtClean="0"/>
+              <a:t>Status Signal</a:t>
             </a:r>
             <a:endParaRPr lang="ko-KR" altLang="en-US" dirty="0"/>
           </a:p>
@@ -7463,11 +7384,7 @@
             <a:pPr algn="ctr"/>
             <a:r>
               <a:rPr lang="en-US" altLang="ko-KR" dirty="0" smtClean="0"/>
-              <a:t>Other CCTV </a:t>
-            </a:r>
-            <a:r>
-              <a:rPr lang="en-US" altLang="ko-KR" dirty="0" smtClean="0"/>
-              <a:t>NODE</a:t>
+              <a:t>Other CCTV NODE</a:t>
             </a:r>
             <a:endParaRPr lang="ko-KR" altLang="en-US" dirty="0"/>
           </a:p>
@@ -7952,11 +7869,7 @@
           <a:p>
             <a:r>
               <a:rPr lang="en-US" altLang="ko-KR" dirty="0" smtClean="0"/>
-              <a:t>Status </a:t>
-            </a:r>
-            <a:r>
-              <a:rPr lang="en-US" altLang="ko-KR" dirty="0" smtClean="0"/>
-              <a:t>Signal</a:t>
+              <a:t>Status Signal</a:t>
             </a:r>
           </a:p>
         </p:txBody>
@@ -8811,7 +8724,6 @@
               <a:rPr lang="en-US" altLang="ko-KR" dirty="0" smtClean="0"/>
               <a:t>Video Stream</a:t>
             </a:r>
-            <a:endParaRPr lang="en-US" altLang="ko-KR" dirty="0" smtClean="0"/>
           </a:p>
         </p:txBody>
       </p:sp>
@@ -8917,7 +8829,6 @@
               <a:rPr lang="en-US" altLang="ko-KR" dirty="0" smtClean="0"/>
               <a:t>Stream</a:t>
             </a:r>
-            <a:endParaRPr lang="en-US" altLang="ko-KR" dirty="0" smtClean="0"/>
           </a:p>
         </p:txBody>
       </p:sp>
@@ -9169,14 +9080,15 @@
           <a:p>
             <a:r>
               <a:rPr lang="en-US" altLang="ko-KR" dirty="0" smtClean="0"/>
-              <a:t>Delay Tolerant Network</a:t>
-            </a:r>
-          </a:p>
-          <a:p>
-            <a:r>
-              <a:rPr lang="en-US" altLang="ko-KR" dirty="0" smtClean="0"/>
-              <a:t>Wireless Sensor Network</a:t>
-            </a:r>
+              <a:t>Reliable Data Transfer</a:t>
+            </a:r>
+          </a:p>
+          <a:p>
+            <a:r>
+              <a:rPr lang="en-US" altLang="ko-KR" dirty="0" smtClean="0"/>
+              <a:t>Urgent Signal Transfer</a:t>
+            </a:r>
+            <a:endParaRPr lang="en-US" altLang="ko-KR" dirty="0" smtClean="0"/>
           </a:p>
           <a:p>
             <a:r>
@@ -9996,11 +9908,7 @@
           <a:p>
             <a:r>
               <a:rPr lang="en-US" altLang="ko-KR" dirty="0" smtClean="0"/>
-              <a:t>Control </a:t>
-            </a:r>
-            <a:r>
-              <a:rPr lang="en-US" altLang="ko-KR" dirty="0" smtClean="0"/>
-              <a:t>Signal</a:t>
+              <a:t>Control Signal</a:t>
             </a:r>
           </a:p>
           <a:p>
@@ -10017,7 +9925,6 @@
               <a:rPr lang="en-US" altLang="ko-KR" dirty="0" smtClean="0"/>
               <a:t>Video Data</a:t>
             </a:r>
-            <a:endParaRPr lang="en-US" altLang="ko-KR" dirty="0" smtClean="0"/>
           </a:p>
         </p:txBody>
       </p:sp>
@@ -10352,11 +10259,7 @@
             <a:pPr algn="ctr"/>
             <a:r>
               <a:rPr lang="en-US" altLang="ko-KR" sz="1467" dirty="0"/>
-              <a:t>p</a:t>
-            </a:r>
-            <a:r>
-              <a:rPr lang="en-US" altLang="ko-KR" sz="1467" dirty="0"/>
-              <a:t>ower</a:t>
+              <a:t>power</a:t>
             </a:r>
             <a:endParaRPr lang="ko-KR" altLang="en-US" sz="1467" dirty="0"/>
           </a:p>
@@ -10392,11 +10295,7 @@
             <a:pPr algn="ctr"/>
             <a:r>
               <a:rPr lang="en-US" altLang="ko-KR" sz="1467" dirty="0"/>
-              <a:t>s</a:t>
-            </a:r>
-            <a:r>
-              <a:rPr lang="en-US" altLang="ko-KR" sz="1467" dirty="0"/>
-              <a:t>ervo motor</a:t>
+              <a:t>servo motor</a:t>
             </a:r>
             <a:endParaRPr lang="ko-KR" altLang="en-US" sz="1467" dirty="0"/>
           </a:p>
@@ -10432,11 +10331,7 @@
             <a:pPr algn="ctr"/>
             <a:r>
               <a:rPr lang="en-US" altLang="ko-KR" sz="1467" dirty="0"/>
-              <a:t>s</a:t>
-            </a:r>
-            <a:r>
-              <a:rPr lang="en-US" altLang="ko-KR" sz="1467" dirty="0"/>
-              <a:t>tep motor</a:t>
+              <a:t>step motor</a:t>
             </a:r>
             <a:endParaRPr lang="ko-KR" altLang="en-US" sz="1467" dirty="0"/>
           </a:p>
@@ -11525,11 +11420,7 @@
           <a:p>
             <a:r>
               <a:rPr lang="en-US" altLang="ko-KR" dirty="0" smtClean="0"/>
-              <a:t>Status Signal(Oneself, others</a:t>
-            </a:r>
-            <a:r>
-              <a:rPr lang="en-US" altLang="ko-KR" dirty="0" smtClean="0"/>
-              <a:t>)</a:t>
+              <a:t>Status Signal(Oneself, others)</a:t>
             </a:r>
           </a:p>
           <a:p>
@@ -11932,11 +11823,7 @@
           <a:p>
             <a:r>
               <a:rPr lang="en-US" altLang="ko-KR" dirty="0" smtClean="0"/>
-              <a:t>Status Signal(Oneself, others</a:t>
-            </a:r>
-            <a:r>
-              <a:rPr lang="en-US" altLang="ko-KR" dirty="0" smtClean="0"/>
-              <a:t>)</a:t>
+              <a:t>Status Signal(Oneself, others)</a:t>
             </a:r>
           </a:p>
           <a:p>
@@ -12174,25 +12061,13 @@
           <a:p>
             <a:r>
               <a:rPr lang="en-US" altLang="ko-KR" dirty="0" smtClean="0"/>
-              <a:t>Video </a:t>
-            </a:r>
-            <a:r>
-              <a:rPr lang="en-US" altLang="ko-KR" dirty="0" smtClean="0"/>
-              <a:t>Stream (Live</a:t>
-            </a:r>
-            <a:r>
-              <a:rPr lang="en-US" altLang="ko-KR" dirty="0" smtClean="0"/>
-              <a:t>, Saved)</a:t>
-            </a:r>
-          </a:p>
-          <a:p>
-            <a:r>
-              <a:rPr lang="en-US" altLang="ko-KR" dirty="0" smtClean="0"/>
-              <a:t>Status </a:t>
-            </a:r>
-            <a:r>
-              <a:rPr lang="en-US" altLang="ko-KR" dirty="0" smtClean="0"/>
-              <a:t>Signal</a:t>
+              <a:t>Video Stream (Live, Saved)</a:t>
+            </a:r>
+          </a:p>
+          <a:p>
+            <a:r>
+              <a:rPr lang="en-US" altLang="ko-KR" dirty="0" smtClean="0"/>
+              <a:t>Status Signal</a:t>
             </a:r>
           </a:p>
           <a:p>
@@ -12204,7 +12079,6 @@
               <a:rPr lang="en-US" altLang="ko-KR" dirty="0" smtClean="0"/>
               <a:t>Signal</a:t>
             </a:r>
-            <a:endParaRPr lang="en-US" altLang="ko-KR" dirty="0" smtClean="0"/>
           </a:p>
         </p:txBody>
       </p:sp>
